--- a/PythonAnaconda/SetUp.pptx
+++ b/PythonAnaconda/SetUp.pptx
@@ -5,16 +5,18 @@
     <p:sldMasterId id="2147483648" r:id="rId1"/>
   </p:sldMasterIdLst>
   <p:notesMasterIdLst>
-    <p:notesMasterId r:id="rId9"/>
+    <p:notesMasterId r:id="rId11"/>
   </p:notesMasterIdLst>
   <p:sldIdLst>
     <p:sldId id="483" r:id="rId2"/>
-    <p:sldId id="489" r:id="rId3"/>
-    <p:sldId id="486" r:id="rId4"/>
-    <p:sldId id="484" r:id="rId5"/>
-    <p:sldId id="485" r:id="rId6"/>
-    <p:sldId id="488" r:id="rId7"/>
+    <p:sldId id="491" r:id="rId3"/>
+    <p:sldId id="489" r:id="rId4"/>
+    <p:sldId id="486" r:id="rId5"/>
+    <p:sldId id="484" r:id="rId6"/>
+    <p:sldId id="485" r:id="rId7"/>
     <p:sldId id="487" r:id="rId8"/>
+    <p:sldId id="488" r:id="rId9"/>
+    <p:sldId id="490" r:id="rId10"/>
   </p:sldIdLst>
   <p:sldSz cx="12192000" cy="6858000"/>
   <p:notesSz cx="6858000" cy="9144000"/>
@@ -207,7 +209,7 @@
           <a:p>
             <a:fld id="{EA5437A5-9A1F-423F-AB35-0B6CC9C46E62}" type="datetimeFigureOut">
               <a:rPr lang="en-US" smtClean="0"/>
-              <a:t>1/25/2018</a:t>
+              <a:t>1/27/2018</a:t>
             </a:fld>
             <a:endParaRPr lang="en-US"/>
           </a:p>
@@ -632,7 +634,7 @@
     </p:spTree>
     <p:extLst>
       <p:ext uri="{BB962C8B-B14F-4D97-AF65-F5344CB8AC3E}">
-        <p14:creationId xmlns:p14="http://schemas.microsoft.com/office/powerpoint/2010/main" val="4247599999"/>
+        <p14:creationId xmlns:p14="http://schemas.microsoft.com/office/powerpoint/2010/main" val="3682145318"/>
       </p:ext>
     </p:extLst>
   </p:cSld>
@@ -716,7 +718,7 @@
     </p:spTree>
     <p:extLst>
       <p:ext uri="{BB962C8B-B14F-4D97-AF65-F5344CB8AC3E}">
-        <p14:creationId xmlns:p14="http://schemas.microsoft.com/office/powerpoint/2010/main" val="1132565279"/>
+        <p14:creationId xmlns:p14="http://schemas.microsoft.com/office/powerpoint/2010/main" val="4247599999"/>
       </p:ext>
     </p:extLst>
   </p:cSld>
@@ -800,7 +802,7 @@
     </p:spTree>
     <p:extLst>
       <p:ext uri="{BB962C8B-B14F-4D97-AF65-F5344CB8AC3E}">
-        <p14:creationId xmlns:p14="http://schemas.microsoft.com/office/powerpoint/2010/main" val="3602932635"/>
+        <p14:creationId xmlns:p14="http://schemas.microsoft.com/office/powerpoint/2010/main" val="1132565279"/>
       </p:ext>
     </p:extLst>
   </p:cSld>
@@ -884,7 +886,7 @@
     </p:spTree>
     <p:extLst>
       <p:ext uri="{BB962C8B-B14F-4D97-AF65-F5344CB8AC3E}">
-        <p14:creationId xmlns:p14="http://schemas.microsoft.com/office/powerpoint/2010/main" val="1503571654"/>
+        <p14:creationId xmlns:p14="http://schemas.microsoft.com/office/powerpoint/2010/main" val="3602932635"/>
       </p:ext>
     </p:extLst>
   </p:cSld>
@@ -968,7 +970,7 @@
     </p:spTree>
     <p:extLst>
       <p:ext uri="{BB962C8B-B14F-4D97-AF65-F5344CB8AC3E}">
-        <p14:creationId xmlns:p14="http://schemas.microsoft.com/office/powerpoint/2010/main" val="4167151517"/>
+        <p14:creationId xmlns:p14="http://schemas.microsoft.com/office/powerpoint/2010/main" val="1503571654"/>
       </p:ext>
     </p:extLst>
   </p:cSld>
@@ -1053,6 +1055,174 @@
     <p:extLst>
       <p:ext uri="{BB962C8B-B14F-4D97-AF65-F5344CB8AC3E}">
         <p14:creationId xmlns:p14="http://schemas.microsoft.com/office/powerpoint/2010/main" val="333165462"/>
+      </p:ext>
+    </p:extLst>
+  </p:cSld>
+  <p:clrMapOvr>
+    <a:masterClrMapping/>
+  </p:clrMapOvr>
+</p:notes>
+</file>
+
+<file path=ppt/notesSlides/notesSlide8.xml><?xml version="1.0" encoding="utf-8"?>
+<p:notes xmlns:a="http://schemas.openxmlformats.org/drawingml/2006/main" xmlns:r="http://schemas.openxmlformats.org/officeDocument/2006/relationships" xmlns:p="http://schemas.openxmlformats.org/presentationml/2006/main">
+  <p:cSld>
+    <p:spTree>
+      <p:nvGrpSpPr>
+        <p:cNvPr id="1" name=""/>
+        <p:cNvGrpSpPr/>
+        <p:nvPr/>
+      </p:nvGrpSpPr>
+      <p:grpSpPr>
+        <a:xfrm>
+          <a:off x="0" y="0"/>
+          <a:ext cx="0" cy="0"/>
+          <a:chOff x="0" y="0"/>
+          <a:chExt cx="0" cy="0"/>
+        </a:xfrm>
+      </p:grpSpPr>
+      <p:sp>
+        <p:nvSpPr>
+          <p:cNvPr id="2" name="Slide Image Placeholder 1"/>
+          <p:cNvSpPr>
+            <a:spLocks noGrp="1" noRot="1" noChangeAspect="1"/>
+          </p:cNvSpPr>
+          <p:nvPr>
+            <p:ph type="sldImg"/>
+          </p:nvPr>
+        </p:nvSpPr>
+        <p:spPr/>
+      </p:sp>
+      <p:sp>
+        <p:nvSpPr>
+          <p:cNvPr id="3" name="Notes Placeholder 2"/>
+          <p:cNvSpPr>
+            <a:spLocks noGrp="1"/>
+          </p:cNvSpPr>
+          <p:nvPr>
+            <p:ph type="body" idx="1"/>
+          </p:nvPr>
+        </p:nvSpPr>
+        <p:spPr/>
+        <p:txBody>
+          <a:bodyPr/>
+          <a:lstStyle/>
+          <a:p>
+            <a:endParaRPr lang="en-US"/>
+          </a:p>
+        </p:txBody>
+      </p:sp>
+      <p:sp>
+        <p:nvSpPr>
+          <p:cNvPr id="4" name="Slide Number Placeholder 3"/>
+          <p:cNvSpPr>
+            <a:spLocks noGrp="1"/>
+          </p:cNvSpPr>
+          <p:nvPr>
+            <p:ph type="sldNum" sz="quarter" idx="10"/>
+          </p:nvPr>
+        </p:nvSpPr>
+        <p:spPr/>
+        <p:txBody>
+          <a:bodyPr/>
+          <a:lstStyle/>
+          <a:p>
+            <a:fld id="{F5D97377-8615-40E2-AA20-5EAD8051D528}" type="slidenum">
+              <a:rPr lang="en-US" smtClean="0"/>
+              <a:t>8</a:t>
+            </a:fld>
+            <a:endParaRPr lang="en-US"/>
+          </a:p>
+        </p:txBody>
+      </p:sp>
+    </p:spTree>
+    <p:extLst>
+      <p:ext uri="{BB962C8B-B14F-4D97-AF65-F5344CB8AC3E}">
+        <p14:creationId xmlns:p14="http://schemas.microsoft.com/office/powerpoint/2010/main" val="4167151517"/>
+      </p:ext>
+    </p:extLst>
+  </p:cSld>
+  <p:clrMapOvr>
+    <a:masterClrMapping/>
+  </p:clrMapOvr>
+</p:notes>
+</file>
+
+<file path=ppt/notesSlides/notesSlide9.xml><?xml version="1.0" encoding="utf-8"?>
+<p:notes xmlns:a="http://schemas.openxmlformats.org/drawingml/2006/main" xmlns:r="http://schemas.openxmlformats.org/officeDocument/2006/relationships" xmlns:p="http://schemas.openxmlformats.org/presentationml/2006/main">
+  <p:cSld>
+    <p:spTree>
+      <p:nvGrpSpPr>
+        <p:cNvPr id="1" name=""/>
+        <p:cNvGrpSpPr/>
+        <p:nvPr/>
+      </p:nvGrpSpPr>
+      <p:grpSpPr>
+        <a:xfrm>
+          <a:off x="0" y="0"/>
+          <a:ext cx="0" cy="0"/>
+          <a:chOff x="0" y="0"/>
+          <a:chExt cx="0" cy="0"/>
+        </a:xfrm>
+      </p:grpSpPr>
+      <p:sp>
+        <p:nvSpPr>
+          <p:cNvPr id="2" name="Slide Image Placeholder 1"/>
+          <p:cNvSpPr>
+            <a:spLocks noGrp="1" noRot="1" noChangeAspect="1"/>
+          </p:cNvSpPr>
+          <p:nvPr>
+            <p:ph type="sldImg"/>
+          </p:nvPr>
+        </p:nvSpPr>
+        <p:spPr/>
+      </p:sp>
+      <p:sp>
+        <p:nvSpPr>
+          <p:cNvPr id="3" name="Notes Placeholder 2"/>
+          <p:cNvSpPr>
+            <a:spLocks noGrp="1"/>
+          </p:cNvSpPr>
+          <p:nvPr>
+            <p:ph type="body" idx="1"/>
+          </p:nvPr>
+        </p:nvSpPr>
+        <p:spPr/>
+        <p:txBody>
+          <a:bodyPr/>
+          <a:lstStyle/>
+          <a:p>
+            <a:endParaRPr lang="en-US"/>
+          </a:p>
+        </p:txBody>
+      </p:sp>
+      <p:sp>
+        <p:nvSpPr>
+          <p:cNvPr id="4" name="Slide Number Placeholder 3"/>
+          <p:cNvSpPr>
+            <a:spLocks noGrp="1"/>
+          </p:cNvSpPr>
+          <p:nvPr>
+            <p:ph type="sldNum" sz="quarter" idx="10"/>
+          </p:nvPr>
+        </p:nvSpPr>
+        <p:spPr/>
+        <p:txBody>
+          <a:bodyPr/>
+          <a:lstStyle/>
+          <a:p>
+            <a:fld id="{F5D97377-8615-40E2-AA20-5EAD8051D528}" type="slidenum">
+              <a:rPr lang="en-US" smtClean="0"/>
+              <a:t>9</a:t>
+            </a:fld>
+            <a:endParaRPr lang="en-US"/>
+          </a:p>
+        </p:txBody>
+      </p:sp>
+    </p:spTree>
+    <p:extLst>
+      <p:ext uri="{BB962C8B-B14F-4D97-AF65-F5344CB8AC3E}">
+        <p14:creationId xmlns:p14="http://schemas.microsoft.com/office/powerpoint/2010/main" val="3399169998"/>
       </p:ext>
     </p:extLst>
   </p:cSld>
@@ -7471,8 +7641,8 @@
         </p:blipFill>
         <p:spPr bwMode="auto">
           <a:xfrm>
-            <a:off x="5797821" y="2876410"/>
-            <a:ext cx="4846091" cy="2423046"/>
+            <a:off x="4715083" y="2534726"/>
+            <a:ext cx="3241349" cy="1620675"/>
           </a:xfrm>
           <a:prstGeom prst="rect">
             <a:avLst/>
@@ -7511,8 +7681,8 @@
         </p:blipFill>
         <p:spPr bwMode="auto">
           <a:xfrm>
-            <a:off x="1322813" y="2876410"/>
-            <a:ext cx="2900680" cy="2900680"/>
+            <a:off x="2211334" y="2332946"/>
+            <a:ext cx="2024236" cy="2024236"/>
           </a:xfrm>
           <a:prstGeom prst="rect">
             <a:avLst/>
@@ -7543,7 +7713,7 @@
         </p:nvSpPr>
         <p:spPr>
           <a:xfrm>
-            <a:off x="325120" y="6018427"/>
+            <a:off x="4524484" y="5009137"/>
             <a:ext cx="3356688" cy="646331"/>
           </a:xfrm>
           <a:prstGeom prst="rect">
@@ -7570,6 +7740,36 @@
           </a:p>
         </p:txBody>
       </p:sp>
+      <p:pic>
+        <p:nvPicPr>
+          <p:cNvPr id="6" name="Picture 5" descr="A person smiling for the camera&#10;&#10;Description generated with very high confidence">
+            <a:extLst>
+              <a:ext uri="{FF2B5EF4-FFF2-40B4-BE49-F238E27FC236}">
+                <a16:creationId xmlns:a16="http://schemas.microsoft.com/office/drawing/2014/main" id="{0C40C18C-AB09-4D46-8AB7-96790CA76231}"/>
+              </a:ext>
+            </a:extLst>
+          </p:cNvPr>
+          <p:cNvPicPr>
+            <a:picLocks noChangeAspect="1"/>
+          </p:cNvPicPr>
+          <p:nvPr/>
+        </p:nvPicPr>
+        <p:blipFill>
+          <a:blip r:embed="rId5"/>
+          <a:stretch>
+            <a:fillRect/>
+          </a:stretch>
+        </p:blipFill>
+        <p:spPr>
+          <a:xfrm>
+            <a:off x="8599541" y="3429000"/>
+            <a:ext cx="2419709" cy="2419709"/>
+          </a:xfrm>
+          <a:prstGeom prst="rect">
+            <a:avLst/>
+          </a:prstGeom>
+        </p:spPr>
+      </p:pic>
     </p:spTree>
     <p:extLst>
       <p:ext uri="{BB962C8B-B14F-4D97-AF65-F5344CB8AC3E}">
@@ -7602,6 +7802,280 @@
       </p:grpSpPr>
       <p:sp>
         <p:nvSpPr>
+          <p:cNvPr id="3" name="Rectangle 2">
+            <a:extLst>
+              <a:ext uri="{FF2B5EF4-FFF2-40B4-BE49-F238E27FC236}">
+                <a16:creationId xmlns:a16="http://schemas.microsoft.com/office/drawing/2014/main" id="{2AC545E5-CFD5-4921-A297-1C05C7945C63}"/>
+              </a:ext>
+            </a:extLst>
+          </p:cNvPr>
+          <p:cNvSpPr/>
+          <p:nvPr/>
+        </p:nvSpPr>
+        <p:spPr>
+          <a:xfrm>
+            <a:off x="0" y="0"/>
+            <a:ext cx="12192000" cy="923027"/>
+          </a:xfrm>
+          <a:prstGeom prst="rect">
+            <a:avLst/>
+          </a:prstGeom>
+          <a:solidFill>
+            <a:srgbClr val="002060"/>
+          </a:solidFill>
+          <a:ln>
+            <a:solidFill>
+              <a:srgbClr val="002060"/>
+            </a:solidFill>
+          </a:ln>
+        </p:spPr>
+        <p:style>
+          <a:lnRef idx="2">
+            <a:schemeClr val="accent1">
+              <a:shade val="50000"/>
+            </a:schemeClr>
+          </a:lnRef>
+          <a:fillRef idx="1">
+            <a:schemeClr val="accent1"/>
+          </a:fillRef>
+          <a:effectRef idx="0">
+            <a:schemeClr val="accent1"/>
+          </a:effectRef>
+          <a:fontRef idx="minor">
+            <a:schemeClr val="lt1"/>
+          </a:fontRef>
+        </p:style>
+        <p:txBody>
+          <a:bodyPr rtlCol="0" anchor="ctr"/>
+          <a:lstStyle/>
+          <a:p>
+            <a:pPr algn="ctr"/>
+            <a:endParaRPr lang="en-US"/>
+          </a:p>
+        </p:txBody>
+      </p:sp>
+      <p:sp>
+        <p:nvSpPr>
+          <p:cNvPr id="2" name="Title 1"/>
+          <p:cNvSpPr>
+            <a:spLocks noGrp="1"/>
+          </p:cNvSpPr>
+          <p:nvPr>
+            <p:ph type="ctrTitle" idx="4294967295"/>
+          </p:nvPr>
+        </p:nvSpPr>
+        <p:spPr>
+          <a:xfrm>
+            <a:off x="91440" y="131687"/>
+            <a:ext cx="12100560" cy="489416"/>
+          </a:xfrm>
+        </p:spPr>
+        <p:txBody>
+          <a:bodyPr/>
+          <a:lstStyle/>
+          <a:p>
+            <a:pPr algn="ctr"/>
+            <a:r>
+              <a:rPr lang="en-US" sz="4400" dirty="0">
+                <a:solidFill>
+                  <a:schemeClr val="bg1"/>
+                </a:solidFill>
+              </a:rPr>
+              <a:t>Data Science with Python </a:t>
+            </a:r>
+            <a:br>
+              <a:rPr lang="en-US" sz="4400" dirty="0">
+                <a:solidFill>
+                  <a:schemeClr val="bg1"/>
+                </a:solidFill>
+              </a:rPr>
+            </a:br>
+            <a:r>
+              <a:rPr lang="en-US" sz="4400" dirty="0">
+                <a:solidFill>
+                  <a:schemeClr val="bg1"/>
+                </a:solidFill>
+              </a:rPr>
+              <a:t>and </a:t>
+            </a:r>
+            <a:br>
+              <a:rPr lang="en-US" sz="4400" dirty="0">
+                <a:solidFill>
+                  <a:schemeClr val="bg1"/>
+                </a:solidFill>
+              </a:rPr>
+            </a:br>
+            <a:r>
+              <a:rPr lang="en-US" sz="4400" dirty="0">
+                <a:solidFill>
+                  <a:schemeClr val="bg1"/>
+                </a:solidFill>
+              </a:rPr>
+              <a:t>the Shiny Toys of Anaconda</a:t>
+            </a:r>
+          </a:p>
+        </p:txBody>
+      </p:sp>
+      <p:pic>
+        <p:nvPicPr>
+          <p:cNvPr id="1028" name="Picture 4" descr="Image result for python anaconda">
+            <a:extLst>
+              <a:ext uri="{FF2B5EF4-FFF2-40B4-BE49-F238E27FC236}">
+                <a16:creationId xmlns:a16="http://schemas.microsoft.com/office/drawing/2014/main" id="{47EB855D-EA3B-4598-B3C4-F025ACB93669}"/>
+              </a:ext>
+            </a:extLst>
+          </p:cNvPr>
+          <p:cNvPicPr>
+            <a:picLocks noChangeAspect="1" noChangeArrowheads="1"/>
+          </p:cNvPicPr>
+          <p:nvPr/>
+        </p:nvPicPr>
+        <p:blipFill>
+          <a:blip r:embed="rId3">
+            <a:extLst>
+              <a:ext uri="{28A0092B-C50C-407E-A947-70E740481C1C}">
+                <a14:useLocalDpi xmlns:a14="http://schemas.microsoft.com/office/drawing/2010/main" val="0"/>
+              </a:ext>
+            </a:extLst>
+          </a:blip>
+          <a:srcRect/>
+          <a:stretch>
+            <a:fillRect/>
+          </a:stretch>
+        </p:blipFill>
+        <p:spPr bwMode="auto">
+          <a:xfrm>
+            <a:off x="5909964" y="3115227"/>
+            <a:ext cx="4846091" cy="2423046"/>
+          </a:xfrm>
+          <a:prstGeom prst="rect">
+            <a:avLst/>
+          </a:prstGeom>
+          <a:solidFill>
+            <a:schemeClr val="bg1"/>
+          </a:solidFill>
+        </p:spPr>
+      </p:pic>
+      <p:pic>
+        <p:nvPicPr>
+          <p:cNvPr id="1026" name="Picture 2" descr="Image result for python">
+            <a:extLst>
+              <a:ext uri="{FF2B5EF4-FFF2-40B4-BE49-F238E27FC236}">
+                <a16:creationId xmlns:a16="http://schemas.microsoft.com/office/drawing/2014/main" id="{D7CC3262-82EF-4B9B-97C5-DE87DFC16700}"/>
+              </a:ext>
+            </a:extLst>
+          </p:cNvPr>
+          <p:cNvPicPr>
+            <a:picLocks noChangeAspect="1" noChangeArrowheads="1"/>
+          </p:cNvPicPr>
+          <p:nvPr/>
+        </p:nvPicPr>
+        <p:blipFill>
+          <a:blip r:embed="rId4">
+            <a:extLst>
+              <a:ext uri="{28A0092B-C50C-407E-A947-70E740481C1C}">
+                <a14:useLocalDpi xmlns:a14="http://schemas.microsoft.com/office/drawing/2010/main" val="0"/>
+              </a:ext>
+            </a:extLst>
+          </a:blip>
+          <a:srcRect/>
+          <a:stretch>
+            <a:fillRect/>
+          </a:stretch>
+        </p:blipFill>
+        <p:spPr bwMode="auto">
+          <a:xfrm>
+            <a:off x="1322813" y="2876410"/>
+            <a:ext cx="2900680" cy="2900680"/>
+          </a:xfrm>
+          <a:prstGeom prst="rect">
+            <a:avLst/>
+          </a:prstGeom>
+          <a:noFill/>
+          <a:extLst>
+            <a:ext uri="{909E8E84-426E-40DD-AFC4-6F175D3DCCD1}">
+              <a14:hiddenFill xmlns:a14="http://schemas.microsoft.com/office/drawing/2010/main">
+                <a:solidFill>
+                  <a:srgbClr val="FFFFFF"/>
+                </a:solidFill>
+              </a14:hiddenFill>
+            </a:ext>
+          </a:extLst>
+        </p:spPr>
+      </p:pic>
+      <p:sp>
+        <p:nvSpPr>
+          <p:cNvPr id="4" name="TextBox 3">
+            <a:extLst>
+              <a:ext uri="{FF2B5EF4-FFF2-40B4-BE49-F238E27FC236}">
+                <a16:creationId xmlns:a16="http://schemas.microsoft.com/office/drawing/2014/main" id="{E1C0E214-778F-4109-8328-72D8F16C3768}"/>
+              </a:ext>
+            </a:extLst>
+          </p:cNvPr>
+          <p:cNvSpPr txBox="1"/>
+          <p:nvPr/>
+        </p:nvSpPr>
+        <p:spPr>
+          <a:xfrm>
+            <a:off x="325120" y="6018427"/>
+            <a:ext cx="3356688" cy="646331"/>
+          </a:xfrm>
+          <a:prstGeom prst="rect">
+            <a:avLst/>
+          </a:prstGeom>
+          <a:noFill/>
+        </p:spPr>
+        <p:txBody>
+          <a:bodyPr wrap="none" rtlCol="0">
+            <a:spAutoFit/>
+          </a:bodyPr>
+          <a:lstStyle/>
+          <a:p>
+            <a:r>
+              <a:rPr lang="en-US" sz="3600" dirty="0">
+                <a:solidFill>
+                  <a:schemeClr val="bg1"/>
+                </a:solidFill>
+                <a:latin typeface="Arial" panose="020B0604020202020204" pitchFamily="34" charset="0"/>
+                <a:cs typeface="Arial" panose="020B0604020202020204" pitchFamily="34" charset="0"/>
+              </a:rPr>
+              <a:t>Bryan Cafferky </a:t>
+            </a:r>
+          </a:p>
+        </p:txBody>
+      </p:sp>
+    </p:spTree>
+    <p:extLst>
+      <p:ext uri="{BB962C8B-B14F-4D97-AF65-F5344CB8AC3E}">
+        <p14:creationId xmlns:p14="http://schemas.microsoft.com/office/powerpoint/2010/main" val="1577821898"/>
+      </p:ext>
+    </p:extLst>
+  </p:cSld>
+  <p:clrMapOvr>
+    <a:masterClrMapping/>
+  </p:clrMapOvr>
+</p:sld>
+</file>
+
+<file path=ppt/slides/slide3.xml><?xml version="1.0" encoding="utf-8"?>
+<p:sld xmlns:a="http://schemas.openxmlformats.org/drawingml/2006/main" xmlns:r="http://schemas.openxmlformats.org/officeDocument/2006/relationships" xmlns:p="http://schemas.openxmlformats.org/presentationml/2006/main">
+  <p:cSld>
+    <p:spTree>
+      <p:nvGrpSpPr>
+        <p:cNvPr id="1" name=""/>
+        <p:cNvGrpSpPr/>
+        <p:nvPr/>
+      </p:nvGrpSpPr>
+      <p:grpSpPr>
+        <a:xfrm>
+          <a:off x="0" y="0"/>
+          <a:ext cx="0" cy="0"/>
+          <a:chOff x="0" y="0"/>
+          <a:chExt cx="0" cy="0"/>
+        </a:xfrm>
+      </p:grpSpPr>
+      <p:sp>
+        <p:nvSpPr>
           <p:cNvPr id="2" name="Title 1"/>
           <p:cNvSpPr>
             <a:spLocks noGrp="1"/>
@@ -7622,7 +8096,7 @@
           <a:p>
             <a:r>
               <a:rPr lang="en-US" sz="3200" dirty="0"/>
-              <a:t>Python Programming : Getting Started with Anaconda</a:t>
+              <a:t>Getting Started with Anaconda</a:t>
             </a:r>
           </a:p>
         </p:txBody>
@@ -7656,7 +8130,7 @@
         </p:blipFill>
         <p:spPr bwMode="auto">
           <a:xfrm>
-            <a:off x="4249060" y="1443795"/>
+            <a:off x="4488464" y="1280357"/>
             <a:ext cx="3025454" cy="2091885"/>
           </a:xfrm>
           <a:prstGeom prst="rect">
@@ -7703,8 +8177,8 @@
         </p:blipFill>
         <p:spPr bwMode="auto">
           <a:xfrm>
-            <a:off x="3593216" y="4203444"/>
-            <a:ext cx="4530903" cy="2265452"/>
+            <a:off x="4206911" y="3621332"/>
+            <a:ext cx="3778178" cy="1889089"/>
           </a:xfrm>
           <a:prstGeom prst="rect">
             <a:avLst/>
@@ -7714,6 +8188,100 @@
           </a:solidFill>
         </p:spPr>
       </p:pic>
+      <p:sp>
+        <p:nvSpPr>
+          <p:cNvPr id="3" name="Rectangle 2">
+            <a:extLst>
+              <a:ext uri="{FF2B5EF4-FFF2-40B4-BE49-F238E27FC236}">
+                <a16:creationId xmlns:a16="http://schemas.microsoft.com/office/drawing/2014/main" id="{4C962A87-BEB4-4650-84D3-8D71AE9C2EB1}"/>
+              </a:ext>
+            </a:extLst>
+          </p:cNvPr>
+          <p:cNvSpPr/>
+          <p:nvPr/>
+        </p:nvSpPr>
+        <p:spPr>
+          <a:xfrm>
+            <a:off x="2228572" y="5961511"/>
+            <a:ext cx="8123126" cy="369332"/>
+          </a:xfrm>
+          <a:prstGeom prst="rect">
+            <a:avLst/>
+          </a:prstGeom>
+        </p:spPr>
+        <p:txBody>
+          <a:bodyPr wrap="square">
+            <a:spAutoFit/>
+          </a:bodyPr>
+          <a:lstStyle/>
+          <a:p>
+            <a:r>
+              <a:rPr lang="en-US" dirty="0">
+                <a:hlinkClick r:id="rId5"/>
+              </a:rPr>
+              <a:t>https://github.com/bcafferky/shared/tree/master/PythonAnaconda</a:t>
+            </a:r>
+            <a:endParaRPr lang="en-US" dirty="0"/>
+          </a:p>
+        </p:txBody>
+      </p:sp>
+      <p:sp>
+        <p:nvSpPr>
+          <p:cNvPr id="4" name="Thought Bubble: Cloud 3">
+            <a:extLst>
+              <a:ext uri="{FF2B5EF4-FFF2-40B4-BE49-F238E27FC236}">
+                <a16:creationId xmlns:a16="http://schemas.microsoft.com/office/drawing/2014/main" id="{052A307D-5C28-4C82-9369-A899390CCF8C}"/>
+              </a:ext>
+            </a:extLst>
+          </p:cNvPr>
+          <p:cNvSpPr/>
+          <p:nvPr/>
+        </p:nvSpPr>
+        <p:spPr>
+          <a:xfrm>
+            <a:off x="9023229" y="1337115"/>
+            <a:ext cx="2932982" cy="2091885"/>
+          </a:xfrm>
+          <a:prstGeom prst="cloudCallout">
+            <a:avLst/>
+          </a:prstGeom>
+          <a:solidFill>
+            <a:srgbClr val="7030A0"/>
+          </a:solidFill>
+          <a:ln>
+            <a:solidFill>
+              <a:schemeClr val="bg1"/>
+            </a:solidFill>
+          </a:ln>
+        </p:spPr>
+        <p:style>
+          <a:lnRef idx="2">
+            <a:schemeClr val="accent1">
+              <a:shade val="50000"/>
+            </a:schemeClr>
+          </a:lnRef>
+          <a:fillRef idx="1">
+            <a:schemeClr val="accent1"/>
+          </a:fillRef>
+          <a:effectRef idx="0">
+            <a:schemeClr val="accent1"/>
+          </a:effectRef>
+          <a:fontRef idx="minor">
+            <a:schemeClr val="lt1"/>
+          </a:fontRef>
+        </p:style>
+        <p:txBody>
+          <a:bodyPr rtlCol="0" anchor="ctr"/>
+          <a:lstStyle/>
+          <a:p>
+            <a:pPr algn="ctr"/>
+            <a:r>
+              <a:rPr lang="en-US" dirty="0"/>
+              <a:t>And now for something completely different!</a:t>
+            </a:r>
+          </a:p>
+        </p:txBody>
+      </p:sp>
     </p:spTree>
     <p:extLst>
       <p:ext uri="{BB962C8B-B14F-4D97-AF65-F5344CB8AC3E}">
@@ -7727,7 +8295,7 @@
 </p:sld>
 </file>
 
-<file path=ppt/slides/slide3.xml><?xml version="1.0" encoding="utf-8"?>
+<file path=ppt/slides/slide4.xml><?xml version="1.0" encoding="utf-8"?>
 <p:sld xmlns:a="http://schemas.openxmlformats.org/drawingml/2006/main" xmlns:r="http://schemas.openxmlformats.org/officeDocument/2006/relationships" xmlns:p="http://schemas.openxmlformats.org/presentationml/2006/main">
   <p:cSld>
     <p:spTree>
@@ -8078,7 +8646,7 @@
 </p:sld>
 </file>
 
-<file path=ppt/slides/slide4.xml><?xml version="1.0" encoding="utf-8"?>
+<file path=ppt/slides/slide5.xml><?xml version="1.0" encoding="utf-8"?>
 <p:sld xmlns:a="http://schemas.openxmlformats.org/drawingml/2006/main" xmlns:r="http://schemas.openxmlformats.org/officeDocument/2006/relationships" xmlns:p="http://schemas.openxmlformats.org/presentationml/2006/main">
   <p:cSld>
     <p:spTree>
@@ -8319,7 +8887,7 @@
 </p:sld>
 </file>
 
-<file path=ppt/slides/slide5.xml><?xml version="1.0" encoding="utf-8"?>
+<file path=ppt/slides/slide6.xml><?xml version="1.0" encoding="utf-8"?>
 <p:sld xmlns:a="http://schemas.openxmlformats.org/drawingml/2006/main" xmlns:r="http://schemas.openxmlformats.org/officeDocument/2006/relationships" xmlns:p="http://schemas.openxmlformats.org/presentationml/2006/main">
   <p:cSld>
     <p:spTree>
@@ -8501,197 +9069,6 @@
     <p:extLst>
       <p:ext uri="{BB962C8B-B14F-4D97-AF65-F5344CB8AC3E}">
         <p14:creationId xmlns:p14="http://schemas.microsoft.com/office/powerpoint/2010/main" val="3504337110"/>
-      </p:ext>
-    </p:extLst>
-  </p:cSld>
-  <p:clrMapOvr>
-    <a:masterClrMapping/>
-  </p:clrMapOvr>
-</p:sld>
-</file>
-
-<file path=ppt/slides/slide6.xml><?xml version="1.0" encoding="utf-8"?>
-<p:sld xmlns:a="http://schemas.openxmlformats.org/drawingml/2006/main" xmlns:r="http://schemas.openxmlformats.org/officeDocument/2006/relationships" xmlns:p="http://schemas.openxmlformats.org/presentationml/2006/main">
-  <p:cSld>
-    <p:spTree>
-      <p:nvGrpSpPr>
-        <p:cNvPr id="1" name=""/>
-        <p:cNvGrpSpPr/>
-        <p:nvPr/>
-      </p:nvGrpSpPr>
-      <p:grpSpPr>
-        <a:xfrm>
-          <a:off x="0" y="0"/>
-          <a:ext cx="0" cy="0"/>
-          <a:chOff x="0" y="0"/>
-          <a:chExt cx="0" cy="0"/>
-        </a:xfrm>
-      </p:grpSpPr>
-      <p:sp>
-        <p:nvSpPr>
-          <p:cNvPr id="2" name="Title 1"/>
-          <p:cNvSpPr>
-            <a:spLocks noGrp="1"/>
-          </p:cNvSpPr>
-          <p:nvPr>
-            <p:ph type="ctrTitle" idx="4294967295"/>
-          </p:nvPr>
-        </p:nvSpPr>
-        <p:spPr>
-          <a:xfrm>
-            <a:off x="0" y="173315"/>
-            <a:ext cx="8824913" cy="489416"/>
-          </a:xfrm>
-        </p:spPr>
-        <p:txBody>
-          <a:bodyPr/>
-          <a:lstStyle/>
-          <a:p>
-            <a:r>
-              <a:rPr lang="en-US" sz="3600" dirty="0"/>
-              <a:t>Pip vs. Conda</a:t>
-            </a:r>
-          </a:p>
-        </p:txBody>
-      </p:sp>
-      <p:sp>
-        <p:nvSpPr>
-          <p:cNvPr id="6" name="Rectangle 5">
-            <a:extLst>
-              <a:ext uri="{FF2B5EF4-FFF2-40B4-BE49-F238E27FC236}">
-                <a16:creationId xmlns:a16="http://schemas.microsoft.com/office/drawing/2014/main" id="{52191226-92FE-4766-BE9E-C81772CE812E}"/>
-              </a:ext>
-            </a:extLst>
-          </p:cNvPr>
-          <p:cNvSpPr/>
-          <p:nvPr/>
-        </p:nvSpPr>
-        <p:spPr>
-          <a:xfrm>
-            <a:off x="3503488" y="2044557"/>
-            <a:ext cx="1263721" cy="1384443"/>
-          </a:xfrm>
-          <a:prstGeom prst="rect">
-            <a:avLst/>
-          </a:prstGeom>
-          <a:noFill/>
-          <a:ln w="57150">
-            <a:solidFill>
-              <a:srgbClr val="002060"/>
-            </a:solidFill>
-          </a:ln>
-        </p:spPr>
-        <p:style>
-          <a:lnRef idx="2">
-            <a:schemeClr val="accent1">
-              <a:shade val="50000"/>
-            </a:schemeClr>
-          </a:lnRef>
-          <a:fillRef idx="1">
-            <a:schemeClr val="accent1"/>
-          </a:fillRef>
-          <a:effectRef idx="0">
-            <a:schemeClr val="accent1"/>
-          </a:effectRef>
-          <a:fontRef idx="minor">
-            <a:schemeClr val="lt1"/>
-          </a:fontRef>
-        </p:style>
-        <p:txBody>
-          <a:bodyPr rtlCol="0" anchor="ctr"/>
-          <a:lstStyle/>
-          <a:p>
-            <a:pPr algn="ctr"/>
-            <a:endParaRPr lang="en-US"/>
-          </a:p>
-        </p:txBody>
-      </p:sp>
-      <p:sp>
-        <p:nvSpPr>
-          <p:cNvPr id="8" name="Rectangle 7">
-            <a:extLst>
-              <a:ext uri="{FF2B5EF4-FFF2-40B4-BE49-F238E27FC236}">
-                <a16:creationId xmlns:a16="http://schemas.microsoft.com/office/drawing/2014/main" id="{74CE6C7E-8B74-4F4E-AE85-D7D14CA1BCAA}"/>
-              </a:ext>
-            </a:extLst>
-          </p:cNvPr>
-          <p:cNvSpPr/>
-          <p:nvPr/>
-        </p:nvSpPr>
-        <p:spPr>
-          <a:xfrm>
-            <a:off x="6096000" y="2044557"/>
-            <a:ext cx="1114697" cy="1384443"/>
-          </a:xfrm>
-          <a:prstGeom prst="rect">
-            <a:avLst/>
-          </a:prstGeom>
-          <a:noFill/>
-          <a:ln w="57150">
-            <a:solidFill>
-              <a:srgbClr val="002060"/>
-            </a:solidFill>
-          </a:ln>
-        </p:spPr>
-        <p:style>
-          <a:lnRef idx="2">
-            <a:schemeClr val="accent1">
-              <a:shade val="50000"/>
-            </a:schemeClr>
-          </a:lnRef>
-          <a:fillRef idx="1">
-            <a:schemeClr val="accent1"/>
-          </a:fillRef>
-          <a:effectRef idx="0">
-            <a:schemeClr val="accent1"/>
-          </a:effectRef>
-          <a:fontRef idx="minor">
-            <a:schemeClr val="lt1"/>
-          </a:fontRef>
-        </p:style>
-        <p:txBody>
-          <a:bodyPr rtlCol="0" anchor="ctr"/>
-          <a:lstStyle/>
-          <a:p>
-            <a:pPr algn="ctr"/>
-            <a:endParaRPr lang="en-US"/>
-          </a:p>
-        </p:txBody>
-      </p:sp>
-      <p:pic>
-        <p:nvPicPr>
-          <p:cNvPr id="3" name="Picture 2">
-            <a:extLst>
-              <a:ext uri="{FF2B5EF4-FFF2-40B4-BE49-F238E27FC236}">
-                <a16:creationId xmlns:a16="http://schemas.microsoft.com/office/drawing/2014/main" id="{AA2C53A2-4182-4CA6-99A0-76616B86C11C}"/>
-              </a:ext>
-            </a:extLst>
-          </p:cNvPr>
-          <p:cNvPicPr>
-            <a:picLocks noChangeAspect="1"/>
-          </p:cNvPicPr>
-          <p:nvPr/>
-        </p:nvPicPr>
-        <p:blipFill>
-          <a:blip r:embed="rId3"/>
-          <a:stretch>
-            <a:fillRect/>
-          </a:stretch>
-        </p:blipFill>
-        <p:spPr>
-          <a:xfrm>
-            <a:off x="645003" y="1241215"/>
-            <a:ext cx="9364663" cy="4486725"/>
-          </a:xfrm>
-          <a:prstGeom prst="rect">
-            <a:avLst/>
-          </a:prstGeom>
-        </p:spPr>
-      </p:pic>
-    </p:spTree>
-    <p:extLst>
-      <p:ext uri="{BB962C8B-B14F-4D97-AF65-F5344CB8AC3E}">
-        <p14:creationId xmlns:p14="http://schemas.microsoft.com/office/powerpoint/2010/main" val="2451453999"/>
       </p:ext>
     </p:extLst>
   </p:cSld>
@@ -8967,10 +9344,466 @@
           </a:prstGeom>
         </p:spPr>
       </p:pic>
+      <p:sp>
+        <p:nvSpPr>
+          <p:cNvPr id="3" name="Callout: Line 2">
+            <a:extLst>
+              <a:ext uri="{FF2B5EF4-FFF2-40B4-BE49-F238E27FC236}">
+                <a16:creationId xmlns:a16="http://schemas.microsoft.com/office/drawing/2014/main" id="{3373D4F4-F81C-45D2-9A0F-2822265189FA}"/>
+              </a:ext>
+            </a:extLst>
+          </p:cNvPr>
+          <p:cNvSpPr/>
+          <p:nvPr/>
+        </p:nvSpPr>
+        <p:spPr>
+          <a:xfrm>
+            <a:off x="2734984" y="1103568"/>
+            <a:ext cx="2777705" cy="560717"/>
+          </a:xfrm>
+          <a:prstGeom prst="borderCallout1">
+            <a:avLst>
+              <a:gd name="adj1" fmla="val 43366"/>
+              <a:gd name="adj2" fmla="val -5538"/>
+              <a:gd name="adj3" fmla="val 44808"/>
+              <a:gd name="adj4" fmla="val -36780"/>
+            </a:avLst>
+          </a:prstGeom>
+          <a:solidFill>
+            <a:srgbClr val="7030A0"/>
+          </a:solidFill>
+          <a:ln>
+            <a:solidFill>
+              <a:schemeClr val="bg1"/>
+            </a:solidFill>
+          </a:ln>
+        </p:spPr>
+        <p:style>
+          <a:lnRef idx="2">
+            <a:schemeClr val="accent1">
+              <a:shade val="50000"/>
+            </a:schemeClr>
+          </a:lnRef>
+          <a:fillRef idx="1">
+            <a:schemeClr val="accent1"/>
+          </a:fillRef>
+          <a:effectRef idx="0">
+            <a:schemeClr val="accent1"/>
+          </a:effectRef>
+          <a:fontRef idx="minor">
+            <a:schemeClr val="lt1"/>
+          </a:fontRef>
+        </p:style>
+        <p:txBody>
+          <a:bodyPr rtlCol="0" anchor="ctr"/>
+          <a:lstStyle/>
+          <a:p>
+            <a:pPr algn="ctr"/>
+            <a:r>
+              <a:rPr lang="en-US" dirty="0"/>
+              <a:t>Pip Installs Packages</a:t>
+            </a:r>
+          </a:p>
+        </p:txBody>
+      </p:sp>
     </p:spTree>
     <p:extLst>
       <p:ext uri="{BB962C8B-B14F-4D97-AF65-F5344CB8AC3E}">
         <p14:creationId xmlns:p14="http://schemas.microsoft.com/office/powerpoint/2010/main" val="845741533"/>
+      </p:ext>
+    </p:extLst>
+  </p:cSld>
+  <p:clrMapOvr>
+    <a:masterClrMapping/>
+  </p:clrMapOvr>
+</p:sld>
+</file>
+
+<file path=ppt/slides/slide8.xml><?xml version="1.0" encoding="utf-8"?>
+<p:sld xmlns:a="http://schemas.openxmlformats.org/drawingml/2006/main" xmlns:r="http://schemas.openxmlformats.org/officeDocument/2006/relationships" xmlns:p="http://schemas.openxmlformats.org/presentationml/2006/main">
+  <p:cSld>
+    <p:spTree>
+      <p:nvGrpSpPr>
+        <p:cNvPr id="1" name=""/>
+        <p:cNvGrpSpPr/>
+        <p:nvPr/>
+      </p:nvGrpSpPr>
+      <p:grpSpPr>
+        <a:xfrm>
+          <a:off x="0" y="0"/>
+          <a:ext cx="0" cy="0"/>
+          <a:chOff x="0" y="0"/>
+          <a:chExt cx="0" cy="0"/>
+        </a:xfrm>
+      </p:grpSpPr>
+      <p:sp>
+        <p:nvSpPr>
+          <p:cNvPr id="2" name="Title 1"/>
+          <p:cNvSpPr>
+            <a:spLocks noGrp="1"/>
+          </p:cNvSpPr>
+          <p:nvPr>
+            <p:ph type="ctrTitle" idx="4294967295"/>
+          </p:nvPr>
+        </p:nvSpPr>
+        <p:spPr>
+          <a:xfrm>
+            <a:off x="0" y="173315"/>
+            <a:ext cx="8824913" cy="489416"/>
+          </a:xfrm>
+        </p:spPr>
+        <p:txBody>
+          <a:bodyPr/>
+          <a:lstStyle/>
+          <a:p>
+            <a:r>
+              <a:rPr lang="en-US" sz="3600" dirty="0"/>
+              <a:t>Pip vs. Conda</a:t>
+            </a:r>
+          </a:p>
+        </p:txBody>
+      </p:sp>
+      <p:sp>
+        <p:nvSpPr>
+          <p:cNvPr id="6" name="Rectangle 5">
+            <a:extLst>
+              <a:ext uri="{FF2B5EF4-FFF2-40B4-BE49-F238E27FC236}">
+                <a16:creationId xmlns:a16="http://schemas.microsoft.com/office/drawing/2014/main" id="{52191226-92FE-4766-BE9E-C81772CE812E}"/>
+              </a:ext>
+            </a:extLst>
+          </p:cNvPr>
+          <p:cNvSpPr/>
+          <p:nvPr/>
+        </p:nvSpPr>
+        <p:spPr>
+          <a:xfrm>
+            <a:off x="3503488" y="2044557"/>
+            <a:ext cx="1263721" cy="1384443"/>
+          </a:xfrm>
+          <a:prstGeom prst="rect">
+            <a:avLst/>
+          </a:prstGeom>
+          <a:noFill/>
+          <a:ln w="57150">
+            <a:solidFill>
+              <a:srgbClr val="002060"/>
+            </a:solidFill>
+          </a:ln>
+        </p:spPr>
+        <p:style>
+          <a:lnRef idx="2">
+            <a:schemeClr val="accent1">
+              <a:shade val="50000"/>
+            </a:schemeClr>
+          </a:lnRef>
+          <a:fillRef idx="1">
+            <a:schemeClr val="accent1"/>
+          </a:fillRef>
+          <a:effectRef idx="0">
+            <a:schemeClr val="accent1"/>
+          </a:effectRef>
+          <a:fontRef idx="minor">
+            <a:schemeClr val="lt1"/>
+          </a:fontRef>
+        </p:style>
+        <p:txBody>
+          <a:bodyPr rtlCol="0" anchor="ctr"/>
+          <a:lstStyle/>
+          <a:p>
+            <a:pPr algn="ctr"/>
+            <a:endParaRPr lang="en-US"/>
+          </a:p>
+        </p:txBody>
+      </p:sp>
+      <p:sp>
+        <p:nvSpPr>
+          <p:cNvPr id="8" name="Rectangle 7">
+            <a:extLst>
+              <a:ext uri="{FF2B5EF4-FFF2-40B4-BE49-F238E27FC236}">
+                <a16:creationId xmlns:a16="http://schemas.microsoft.com/office/drawing/2014/main" id="{74CE6C7E-8B74-4F4E-AE85-D7D14CA1BCAA}"/>
+              </a:ext>
+            </a:extLst>
+          </p:cNvPr>
+          <p:cNvSpPr/>
+          <p:nvPr/>
+        </p:nvSpPr>
+        <p:spPr>
+          <a:xfrm>
+            <a:off x="6096000" y="2044557"/>
+            <a:ext cx="1114697" cy="1384443"/>
+          </a:xfrm>
+          <a:prstGeom prst="rect">
+            <a:avLst/>
+          </a:prstGeom>
+          <a:noFill/>
+          <a:ln w="57150">
+            <a:solidFill>
+              <a:srgbClr val="002060"/>
+            </a:solidFill>
+          </a:ln>
+        </p:spPr>
+        <p:style>
+          <a:lnRef idx="2">
+            <a:schemeClr val="accent1">
+              <a:shade val="50000"/>
+            </a:schemeClr>
+          </a:lnRef>
+          <a:fillRef idx="1">
+            <a:schemeClr val="accent1"/>
+          </a:fillRef>
+          <a:effectRef idx="0">
+            <a:schemeClr val="accent1"/>
+          </a:effectRef>
+          <a:fontRef idx="minor">
+            <a:schemeClr val="lt1"/>
+          </a:fontRef>
+        </p:style>
+        <p:txBody>
+          <a:bodyPr rtlCol="0" anchor="ctr"/>
+          <a:lstStyle/>
+          <a:p>
+            <a:pPr algn="ctr"/>
+            <a:endParaRPr lang="en-US"/>
+          </a:p>
+        </p:txBody>
+      </p:sp>
+      <p:pic>
+        <p:nvPicPr>
+          <p:cNvPr id="3" name="Picture 2">
+            <a:extLst>
+              <a:ext uri="{FF2B5EF4-FFF2-40B4-BE49-F238E27FC236}">
+                <a16:creationId xmlns:a16="http://schemas.microsoft.com/office/drawing/2014/main" id="{AA2C53A2-4182-4CA6-99A0-76616B86C11C}"/>
+              </a:ext>
+            </a:extLst>
+          </p:cNvPr>
+          <p:cNvPicPr>
+            <a:picLocks noChangeAspect="1"/>
+          </p:cNvPicPr>
+          <p:nvPr/>
+        </p:nvPicPr>
+        <p:blipFill>
+          <a:blip r:embed="rId3"/>
+          <a:stretch>
+            <a:fillRect/>
+          </a:stretch>
+        </p:blipFill>
+        <p:spPr>
+          <a:xfrm>
+            <a:off x="645003" y="1241215"/>
+            <a:ext cx="9364663" cy="4486725"/>
+          </a:xfrm>
+          <a:prstGeom prst="rect">
+            <a:avLst/>
+          </a:prstGeom>
+        </p:spPr>
+      </p:pic>
+    </p:spTree>
+    <p:extLst>
+      <p:ext uri="{BB962C8B-B14F-4D97-AF65-F5344CB8AC3E}">
+        <p14:creationId xmlns:p14="http://schemas.microsoft.com/office/powerpoint/2010/main" val="2451453999"/>
+      </p:ext>
+    </p:extLst>
+  </p:cSld>
+  <p:clrMapOvr>
+    <a:masterClrMapping/>
+  </p:clrMapOvr>
+</p:sld>
+</file>
+
+<file path=ppt/slides/slide9.xml><?xml version="1.0" encoding="utf-8"?>
+<p:sld xmlns:a="http://schemas.openxmlformats.org/drawingml/2006/main" xmlns:r="http://schemas.openxmlformats.org/officeDocument/2006/relationships" xmlns:p="http://schemas.openxmlformats.org/presentationml/2006/main">
+  <p:cSld>
+    <p:spTree>
+      <p:nvGrpSpPr>
+        <p:cNvPr id="1" name=""/>
+        <p:cNvGrpSpPr/>
+        <p:nvPr/>
+      </p:nvGrpSpPr>
+      <p:grpSpPr>
+        <a:xfrm>
+          <a:off x="0" y="0"/>
+          <a:ext cx="0" cy="0"/>
+          <a:chOff x="0" y="0"/>
+          <a:chExt cx="0" cy="0"/>
+        </a:xfrm>
+      </p:grpSpPr>
+      <p:sp>
+        <p:nvSpPr>
+          <p:cNvPr id="3" name="Rectangle 2">
+            <a:extLst>
+              <a:ext uri="{FF2B5EF4-FFF2-40B4-BE49-F238E27FC236}">
+                <a16:creationId xmlns:a16="http://schemas.microsoft.com/office/drawing/2014/main" id="{2AC545E5-CFD5-4921-A297-1C05C7945C63}"/>
+              </a:ext>
+            </a:extLst>
+          </p:cNvPr>
+          <p:cNvSpPr/>
+          <p:nvPr/>
+        </p:nvSpPr>
+        <p:spPr>
+          <a:xfrm>
+            <a:off x="0" y="0"/>
+            <a:ext cx="12192000" cy="923027"/>
+          </a:xfrm>
+          <a:prstGeom prst="rect">
+            <a:avLst/>
+          </a:prstGeom>
+          <a:solidFill>
+            <a:srgbClr val="002060"/>
+          </a:solidFill>
+          <a:ln>
+            <a:solidFill>
+              <a:srgbClr val="002060"/>
+            </a:solidFill>
+          </a:ln>
+        </p:spPr>
+        <p:style>
+          <a:lnRef idx="2">
+            <a:schemeClr val="accent1">
+              <a:shade val="50000"/>
+            </a:schemeClr>
+          </a:lnRef>
+          <a:fillRef idx="1">
+            <a:schemeClr val="accent1"/>
+          </a:fillRef>
+          <a:effectRef idx="0">
+            <a:schemeClr val="accent1"/>
+          </a:effectRef>
+          <a:fontRef idx="minor">
+            <a:schemeClr val="lt1"/>
+          </a:fontRef>
+        </p:style>
+        <p:txBody>
+          <a:bodyPr rtlCol="0" anchor="ctr"/>
+          <a:lstStyle/>
+          <a:p>
+            <a:pPr algn="ctr"/>
+            <a:endParaRPr lang="en-US"/>
+          </a:p>
+        </p:txBody>
+      </p:sp>
+      <p:sp>
+        <p:nvSpPr>
+          <p:cNvPr id="2" name="Title 1"/>
+          <p:cNvSpPr>
+            <a:spLocks noGrp="1"/>
+          </p:cNvSpPr>
+          <p:nvPr>
+            <p:ph type="ctrTitle" idx="4294967295"/>
+          </p:nvPr>
+        </p:nvSpPr>
+        <p:spPr>
+          <a:xfrm>
+            <a:off x="91440" y="131687"/>
+            <a:ext cx="12100560" cy="489416"/>
+          </a:xfrm>
+        </p:spPr>
+        <p:txBody>
+          <a:bodyPr/>
+          <a:lstStyle/>
+          <a:p>
+            <a:pPr algn="ctr"/>
+            <a:r>
+              <a:rPr lang="en-US" sz="4400" dirty="0">
+                <a:solidFill>
+                  <a:schemeClr val="bg1"/>
+                </a:solidFill>
+              </a:rPr>
+              <a:t>Wrapping Up</a:t>
+            </a:r>
+          </a:p>
+        </p:txBody>
+      </p:sp>
+      <p:pic>
+        <p:nvPicPr>
+          <p:cNvPr id="1028" name="Picture 4" descr="Image result for python anaconda">
+            <a:extLst>
+              <a:ext uri="{FF2B5EF4-FFF2-40B4-BE49-F238E27FC236}">
+                <a16:creationId xmlns:a16="http://schemas.microsoft.com/office/drawing/2014/main" id="{47EB855D-EA3B-4598-B3C4-F025ACB93669}"/>
+              </a:ext>
+            </a:extLst>
+          </p:cNvPr>
+          <p:cNvPicPr>
+            <a:picLocks noChangeAspect="1" noChangeArrowheads="1"/>
+          </p:cNvPicPr>
+          <p:nvPr/>
+        </p:nvPicPr>
+        <p:blipFill>
+          <a:blip r:embed="rId3">
+            <a:extLst>
+              <a:ext uri="{28A0092B-C50C-407E-A947-70E740481C1C}">
+                <a14:useLocalDpi xmlns:a14="http://schemas.microsoft.com/office/drawing/2010/main" val="0"/>
+              </a:ext>
+            </a:extLst>
+          </a:blip>
+          <a:srcRect/>
+          <a:stretch>
+            <a:fillRect/>
+          </a:stretch>
+        </p:blipFill>
+        <p:spPr bwMode="auto">
+          <a:xfrm>
+            <a:off x="6141720" y="1978660"/>
+            <a:ext cx="4846091" cy="2423046"/>
+          </a:xfrm>
+          <a:prstGeom prst="rect">
+            <a:avLst/>
+          </a:prstGeom>
+          <a:solidFill>
+            <a:schemeClr val="bg1"/>
+          </a:solidFill>
+        </p:spPr>
+      </p:pic>
+      <p:pic>
+        <p:nvPicPr>
+          <p:cNvPr id="1026" name="Picture 2" descr="Image result for python">
+            <a:extLst>
+              <a:ext uri="{FF2B5EF4-FFF2-40B4-BE49-F238E27FC236}">
+                <a16:creationId xmlns:a16="http://schemas.microsoft.com/office/drawing/2014/main" id="{D7CC3262-82EF-4B9B-97C5-DE87DFC16700}"/>
+              </a:ext>
+            </a:extLst>
+          </p:cNvPr>
+          <p:cNvPicPr>
+            <a:picLocks noChangeAspect="1" noChangeArrowheads="1"/>
+          </p:cNvPicPr>
+          <p:nvPr/>
+        </p:nvPicPr>
+        <p:blipFill>
+          <a:blip r:embed="rId4">
+            <a:extLst>
+              <a:ext uri="{28A0092B-C50C-407E-A947-70E740481C1C}">
+                <a14:useLocalDpi xmlns:a14="http://schemas.microsoft.com/office/drawing/2010/main" val="0"/>
+              </a:ext>
+            </a:extLst>
+          </a:blip>
+          <a:srcRect/>
+          <a:stretch>
+            <a:fillRect/>
+          </a:stretch>
+        </p:blipFill>
+        <p:spPr bwMode="auto">
+          <a:xfrm>
+            <a:off x="1694737" y="1978660"/>
+            <a:ext cx="2900680" cy="2900680"/>
+          </a:xfrm>
+          <a:prstGeom prst="rect">
+            <a:avLst/>
+          </a:prstGeom>
+          <a:noFill/>
+          <a:extLst>
+            <a:ext uri="{909E8E84-426E-40DD-AFC4-6F175D3DCCD1}">
+              <a14:hiddenFill xmlns:a14="http://schemas.microsoft.com/office/drawing/2010/main">
+                <a:solidFill>
+                  <a:srgbClr val="FFFFFF"/>
+                </a:solidFill>
+              </a14:hiddenFill>
+            </a:ext>
+          </a:extLst>
+        </p:spPr>
+      </p:pic>
+    </p:spTree>
+    <p:extLst>
+      <p:ext uri="{BB962C8B-B14F-4D97-AF65-F5344CB8AC3E}">
+        <p14:creationId xmlns:p14="http://schemas.microsoft.com/office/powerpoint/2010/main" val="4160983431"/>
       </p:ext>
     </p:extLst>
   </p:cSld>
